--- a/module-04-manhattan/slides/07-the-challenge-of-turning.pptx
+++ b/module-04-manhattan/slides/07-the-challenge-of-turning.pptx
@@ -6267,6 +6267,30 @@
           </a:graphicData>
         </a:graphic>
       </p:graphicFrame>
+      <p:pic>
+        <p:nvPicPr>
+          <p:cNvPr id="6" name="Picture 5" descr="turn-lookup-table.png"/>
+          <p:cNvPicPr>
+            <a:picLocks noChangeAspect="1"/>
+          </p:cNvPicPr>
+          <p:nvPr/>
+        </p:nvPicPr>
+        <p:blipFill>
+          <a:blip r:embed="rId2"/>
+          <a:stretch>
+            <a:fillRect/>
+          </a:stretch>
+        </p:blipFill>
+        <p:spPr>
+          <a:xfrm>
+            <a:off x="1371600" y="1371600"/>
+            <a:ext cx="4572000" cy="4851918"/>
+          </a:xfrm>
+          <a:prstGeom prst="rect">
+            <a:avLst/>
+          </a:prstGeom>
+        </p:spPr>
+      </p:pic>
     </p:spTree>
   </p:cSld>
   <p:clrMapOvr>
@@ -7760,6 +7784,30 @@
           </a:p>
         </p:txBody>
       </p:sp>
+      <p:pic>
+        <p:nvPicPr>
+          <p:cNvPr id="7" name="Picture 6" descr="path-with-headings.png"/>
+          <p:cNvPicPr>
+            <a:picLocks noChangeAspect="1"/>
+          </p:cNvPicPr>
+          <p:nvPr/>
+        </p:nvPicPr>
+        <p:blipFill>
+          <a:blip r:embed="rId2"/>
+          <a:stretch>
+            <a:fillRect/>
+          </a:stretch>
+        </p:blipFill>
+        <p:spPr>
+          <a:xfrm>
+            <a:off x="1371600" y="1371600"/>
+            <a:ext cx="4572000" cy="3059575"/>
+          </a:xfrm>
+          <a:prstGeom prst="rect">
+            <a:avLst/>
+          </a:prstGeom>
+        </p:spPr>
+      </p:pic>
     </p:spTree>
   </p:cSld>
   <p:clrMapOvr>
